--- a/Anagrams/Presentation.pptx
+++ b/Anagrams/Presentation.pptx
@@ -140,8 +140,8 @@
   <p1510:revLst>
     <p1510:client id="{043878B1-1E70-49BF-BE21-DB644BFC764A}" v="233" dt="2018-08-09T04:00:55.367"/>
     <p1510:client id="{D0D4D0B9-93CF-4E70-B062-D42FE3B52712}" v="27" dt="2018-08-09T04:00:32.223"/>
+    <p1510:client id="{19A71B73-75E7-7392-B4EA-B01C50D852BC}" v="366" dt="2018-08-09T05:39:42.080"/>
     <p1510:client id="{BBF58619-BC2C-D613-0B1E-23337AEEE471}" v="3" dt="2018-08-09T13:23:00.495"/>
-    <p1510:client id="{19A71B73-75E7-7392-B4EA-B01C50D852BC}" v="366" dt="2018-08-09T05:39:42.080"/>
   </p1510:revLst>
 </p1510:revInfo>
 </file>
@@ -6765,7 +6765,7 @@
             <a:pPr algn="ctr"/>
             <a:r>
               <a:rPr lang="en-US" dirty="0"/>
-              <a:t>Still Zero</a:t>
+              <a:t>Zero</a:t>
             </a:r>
           </a:p>
         </p:txBody>
@@ -6887,70 +6887,6 @@
               <a:rPr lang="en-US" dirty="0"/>
               <a:t>18472 Words</a:t>
             </a:r>
-          </a:p>
-        </p:txBody>
-      </p:sp>
-      <p:sp>
-        <p:nvSpPr>
-          <p:cNvPr id="11" name="TextBox 10">
-            <a:extLst>
-              <a:ext uri="{FF2B5EF4-FFF2-40B4-BE49-F238E27FC236}">
-                <a16:creationId xmlns:a16="http://schemas.microsoft.com/office/drawing/2014/main" id="{E5D30290-9996-4251-9032-5FDD7AB188FB}"/>
-              </a:ext>
-            </a:extLst>
-          </p:cNvPr>
-          <p:cNvSpPr txBox="1"/>
-          <p:nvPr/>
-        </p:nvSpPr>
-        <p:spPr>
-          <a:xfrm>
-            <a:off x="8174965" y="4228380"/>
-            <a:ext cx="4224067" cy="923330"/>
-          </a:xfrm>
-          <a:prstGeom prst="rect">
-            <a:avLst/>
-          </a:prstGeom>
-          <a:ln w="28575"/>
-        </p:spPr>
-        <p:style>
-          <a:lnRef idx="2">
-            <a:schemeClr val="accent1"/>
-          </a:lnRef>
-          <a:fillRef idx="1">
-            <a:schemeClr val="lt1"/>
-          </a:fillRef>
-          <a:effectRef idx="0">
-            <a:schemeClr val="accent1"/>
-          </a:effectRef>
-          <a:fontRef idx="minor">
-            <a:schemeClr val="dk1"/>
-          </a:fontRef>
-        </p:style>
-        <p:txBody>
-          <a:bodyPr rot="0" spcFirstLastPara="0" vertOverflow="overflow" horzOverflow="overflow" vert="horz" wrap="square" lIns="91440" tIns="45720" rIns="91440" bIns="45720" numCol="1" spcCol="0" rtlCol="0" fromWordArt="0" anchor="t" anchorCtr="0" forceAA="0" compatLnSpc="1">
-            <a:prstTxWarp prst="textNoShape">
-              <a:avLst/>
-            </a:prstTxWarp>
-            <a:spAutoFit/>
-          </a:bodyPr>
-          <a:lstStyle/>
-          <a:p>
-            <a:pPr algn="ctr"/>
-            <a:r>
-              <a:rPr lang="en-US" dirty="0"/>
-              <a:t>Most Frequent Letter:</a:t>
-            </a:r>
-          </a:p>
-          <a:p>
-            <a:pPr algn="ctr"/>
-            <a:r>
-              <a:rPr lang="en-US" dirty="0"/>
-              <a:t>"e" (appears: 14200 time)</a:t>
-            </a:r>
-          </a:p>
-          <a:p>
-            <a:pPr algn="ctr"/>
-            <a:endParaRPr lang="en-US" dirty="0"/>
           </a:p>
         </p:txBody>
       </p:sp>
@@ -6984,6 +6920,130 @@
           </a:prstGeom>
         </p:spPr>
       </p:pic>
+      <p:sp>
+        <p:nvSpPr>
+          <p:cNvPr id="9" name="TextBox 8">
+            <a:extLst>
+              <a:ext uri="{FF2B5EF4-FFF2-40B4-BE49-F238E27FC236}">
+                <a16:creationId xmlns:a16="http://schemas.microsoft.com/office/drawing/2014/main" id="{48396C9C-B07A-46E3-A370-55CF10D3D86F}"/>
+              </a:ext>
+            </a:extLst>
+          </p:cNvPr>
+          <p:cNvSpPr txBox="1"/>
+          <p:nvPr/>
+        </p:nvSpPr>
+        <p:spPr>
+          <a:xfrm>
+            <a:off x="8174965" y="174971"/>
+            <a:ext cx="4224067" cy="646331"/>
+          </a:xfrm>
+          <a:prstGeom prst="rect">
+            <a:avLst/>
+          </a:prstGeom>
+          <a:ln w="28575"/>
+        </p:spPr>
+        <p:style>
+          <a:lnRef idx="2">
+            <a:schemeClr val="accent1"/>
+          </a:lnRef>
+          <a:fillRef idx="1">
+            <a:schemeClr val="lt1"/>
+          </a:fillRef>
+          <a:effectRef idx="0">
+            <a:schemeClr val="accent1"/>
+          </a:effectRef>
+          <a:fontRef idx="minor">
+            <a:schemeClr val="dk1"/>
+          </a:fontRef>
+        </p:style>
+        <p:txBody>
+          <a:bodyPr rot="0" spcFirstLastPara="0" vertOverflow="overflow" horzOverflow="overflow" vert="horz" wrap="square" lIns="91440" tIns="45720" rIns="91440" bIns="45720" numCol="1" spcCol="0" rtlCol="0" fromWordArt="0" anchor="t" anchorCtr="0" forceAA="0" compatLnSpc="1">
+            <a:prstTxWarp prst="textNoShape">
+              <a:avLst/>
+            </a:prstTxWarp>
+            <a:spAutoFit/>
+          </a:bodyPr>
+          <a:lstStyle/>
+          <a:p>
+            <a:pPr algn="ctr"/>
+            <a:r>
+              <a:rPr lang="en-US" dirty="0"/>
+              <a:t>Anagram Family Counter:</a:t>
+            </a:r>
+          </a:p>
+          <a:p>
+            <a:pPr algn="ctr"/>
+            <a:r>
+              <a:rPr lang="en-US" dirty="0"/>
+              <a:t>5,998</a:t>
+            </a:r>
+          </a:p>
+        </p:txBody>
+      </p:sp>
+      <p:sp>
+        <p:nvSpPr>
+          <p:cNvPr id="11" name="TextBox 10">
+            <a:extLst>
+              <a:ext uri="{FF2B5EF4-FFF2-40B4-BE49-F238E27FC236}">
+                <a16:creationId xmlns:a16="http://schemas.microsoft.com/office/drawing/2014/main" id="{E5D30290-9996-4251-9032-5FDD7AB188FB}"/>
+              </a:ext>
+            </a:extLst>
+          </p:cNvPr>
+          <p:cNvSpPr txBox="1"/>
+          <p:nvPr/>
+        </p:nvSpPr>
+        <p:spPr>
+          <a:xfrm>
+            <a:off x="8174965" y="4228380"/>
+            <a:ext cx="4224067" cy="923330"/>
+          </a:xfrm>
+          <a:prstGeom prst="rect">
+            <a:avLst/>
+          </a:prstGeom>
+          <a:ln w="28575"/>
+        </p:spPr>
+        <p:style>
+          <a:lnRef idx="2">
+            <a:schemeClr val="accent1"/>
+          </a:lnRef>
+          <a:fillRef idx="1">
+            <a:schemeClr val="lt1"/>
+          </a:fillRef>
+          <a:effectRef idx="0">
+            <a:schemeClr val="accent1"/>
+          </a:effectRef>
+          <a:fontRef idx="minor">
+            <a:schemeClr val="dk1"/>
+          </a:fontRef>
+        </p:style>
+        <p:txBody>
+          <a:bodyPr rot="0" spcFirstLastPara="0" vertOverflow="overflow" horzOverflow="overflow" vert="horz" wrap="square" lIns="91440" tIns="45720" rIns="91440" bIns="45720" numCol="1" spcCol="0" rtlCol="0" fromWordArt="0" anchor="t" anchorCtr="0" forceAA="0" compatLnSpc="1">
+            <a:prstTxWarp prst="textNoShape">
+              <a:avLst/>
+            </a:prstTxWarp>
+            <a:spAutoFit/>
+          </a:bodyPr>
+          <a:lstStyle/>
+          <a:p>
+            <a:pPr algn="ctr"/>
+            <a:r>
+              <a:rPr lang="en-US" dirty="0"/>
+              <a:t>Most Frequent Letter:</a:t>
+            </a:r>
+          </a:p>
+          <a:p>
+            <a:pPr algn="ctr"/>
+            <a:r>
+              <a:rPr lang="en-US" dirty="0"/>
+              <a:t>"e" (appears: 14200 time)</a:t>
+            </a:r>
+          </a:p>
+          <a:p>
+            <a:pPr algn="ctr"/>
+            <a:endParaRPr lang="en-US" dirty="0"/>
+          </a:p>
+        </p:txBody>
+      </p:sp>
     </p:spTree>
     <p:extLst>
       <p:ext uri="{BB962C8B-B14F-4D97-AF65-F5344CB8AC3E}">
